--- a/mlg_cleaning.pptx
+++ b/mlg_cleaning.pptx
@@ -296,7 +296,7 @@
           <a:p>
             <a:fld id="{8D7D75D4-0920-1F47-B247-C7CBD125BF4D}" type="datetimeFigureOut">
               <a:rPr lang="en-US" smtClean="0"/>
-              <a:t>10/23/23</a:t>
+              <a:t>10/24/23</a:t>
             </a:fld>
             <a:endParaRPr lang="en-US"/>
           </a:p>
@@ -466,7 +466,7 @@
           <a:p>
             <a:fld id="{8D7D75D4-0920-1F47-B247-C7CBD125BF4D}" type="datetimeFigureOut">
               <a:rPr lang="en-US" smtClean="0"/>
-              <a:t>10/23/23</a:t>
+              <a:t>10/24/23</a:t>
             </a:fld>
             <a:endParaRPr lang="en-US"/>
           </a:p>
@@ -646,7 +646,7 @@
           <a:p>
             <a:fld id="{8D7D75D4-0920-1F47-B247-C7CBD125BF4D}" type="datetimeFigureOut">
               <a:rPr lang="en-US" smtClean="0"/>
-              <a:t>10/23/23</a:t>
+              <a:t>10/24/23</a:t>
             </a:fld>
             <a:endParaRPr lang="en-US"/>
           </a:p>
@@ -816,7 +816,7 @@
           <a:p>
             <a:fld id="{8D7D75D4-0920-1F47-B247-C7CBD125BF4D}" type="datetimeFigureOut">
               <a:rPr lang="en-US" smtClean="0"/>
-              <a:t>10/23/23</a:t>
+              <a:t>10/24/23</a:t>
             </a:fld>
             <a:endParaRPr lang="en-US"/>
           </a:p>
@@ -1062,7 +1062,7 @@
           <a:p>
             <a:fld id="{8D7D75D4-0920-1F47-B247-C7CBD125BF4D}" type="datetimeFigureOut">
               <a:rPr lang="en-US" smtClean="0"/>
-              <a:t>10/23/23</a:t>
+              <a:t>10/24/23</a:t>
             </a:fld>
             <a:endParaRPr lang="en-US"/>
           </a:p>
@@ -1350,7 +1350,7 @@
           <a:p>
             <a:fld id="{8D7D75D4-0920-1F47-B247-C7CBD125BF4D}" type="datetimeFigureOut">
               <a:rPr lang="en-US" smtClean="0"/>
-              <a:t>10/23/23</a:t>
+              <a:t>10/24/23</a:t>
             </a:fld>
             <a:endParaRPr lang="en-US"/>
           </a:p>
@@ -1772,7 +1772,7 @@
           <a:p>
             <a:fld id="{8D7D75D4-0920-1F47-B247-C7CBD125BF4D}" type="datetimeFigureOut">
               <a:rPr lang="en-US" smtClean="0"/>
-              <a:t>10/23/23</a:t>
+              <a:t>10/24/23</a:t>
             </a:fld>
             <a:endParaRPr lang="en-US"/>
           </a:p>
@@ -1890,7 +1890,7 @@
           <a:p>
             <a:fld id="{8D7D75D4-0920-1F47-B247-C7CBD125BF4D}" type="datetimeFigureOut">
               <a:rPr lang="en-US" smtClean="0"/>
-              <a:t>10/23/23</a:t>
+              <a:t>10/24/23</a:t>
             </a:fld>
             <a:endParaRPr lang="en-US"/>
           </a:p>
@@ -1985,7 +1985,7 @@
           <a:p>
             <a:fld id="{8D7D75D4-0920-1F47-B247-C7CBD125BF4D}" type="datetimeFigureOut">
               <a:rPr lang="en-US" smtClean="0"/>
-              <a:t>10/23/23</a:t>
+              <a:t>10/24/23</a:t>
             </a:fld>
             <a:endParaRPr lang="en-US"/>
           </a:p>
@@ -2262,7 +2262,7 @@
           <a:p>
             <a:fld id="{8D7D75D4-0920-1F47-B247-C7CBD125BF4D}" type="datetimeFigureOut">
               <a:rPr lang="en-US" smtClean="0"/>
-              <a:t>10/23/23</a:t>
+              <a:t>10/24/23</a:t>
             </a:fld>
             <a:endParaRPr lang="en-US"/>
           </a:p>
@@ -2519,7 +2519,7 @@
           <a:p>
             <a:fld id="{8D7D75D4-0920-1F47-B247-C7CBD125BF4D}" type="datetimeFigureOut">
               <a:rPr lang="en-US" smtClean="0"/>
-              <a:t>10/23/23</a:t>
+              <a:t>10/24/23</a:t>
             </a:fld>
             <a:endParaRPr lang="en-US"/>
           </a:p>
@@ -2732,7 +2732,7 @@
           <a:p>
             <a:fld id="{8D7D75D4-0920-1F47-B247-C7CBD125BF4D}" type="datetimeFigureOut">
               <a:rPr lang="en-US" smtClean="0"/>
-              <a:t>10/23/23</a:t>
+              <a:t>10/24/23</a:t>
             </a:fld>
             <a:endParaRPr lang="en-US"/>
           </a:p>
@@ -3297,7 +3297,7 @@
         </p:blipFill>
         <p:spPr>
           <a:xfrm>
-            <a:off x="0" y="10718022"/>
+            <a:off x="595275" y="11432460"/>
             <a:ext cx="13092047" cy="10241919"/>
           </a:xfrm>
           <a:prstGeom prst="rect">
@@ -3327,7 +3327,7 @@
         </p:blipFill>
         <p:spPr>
           <a:xfrm>
-            <a:off x="13411200" y="10717264"/>
+            <a:off x="14006475" y="11431702"/>
             <a:ext cx="12723995" cy="10417649"/>
           </a:xfrm>
           <a:prstGeom prst="rect">
@@ -3343,7 +3343,7 @@
         </p:nvSpPr>
         <p:spPr>
           <a:xfrm>
-            <a:off x="1467499" y="9770883"/>
+            <a:off x="2062774" y="10485321"/>
             <a:ext cx="10107454" cy="769441"/>
           </a:xfrm>
           <a:prstGeom prst="rect">
@@ -3424,7 +3424,7 @@
         </p:nvSpPr>
         <p:spPr>
           <a:xfrm>
-            <a:off x="15303890" y="9932598"/>
+            <a:off x="15899165" y="10647036"/>
             <a:ext cx="10107454" cy="769441"/>
           </a:xfrm>
           <a:prstGeom prst="rect">
@@ -3519,7 +3519,7 @@
         </p:blipFill>
         <p:spPr>
           <a:xfrm>
-            <a:off x="14131966" y="1553903"/>
+            <a:off x="14131966" y="1593594"/>
             <a:ext cx="9962203" cy="7155647"/>
           </a:xfrm>
           <a:prstGeom prst="rect">
@@ -3576,7 +3576,7 @@
         </p:nvSpPr>
         <p:spPr>
           <a:xfrm>
-            <a:off x="8330276" y="6668066"/>
+            <a:off x="8330276" y="7620650"/>
             <a:ext cx="2741736" cy="620634"/>
           </a:xfrm>
           <a:prstGeom prst="rect">
@@ -3622,7 +3622,7 @@
         </p:nvSpPr>
         <p:spPr>
           <a:xfrm>
-            <a:off x="2539816" y="5709121"/>
+            <a:off x="2539816" y="6661705"/>
             <a:ext cx="3763702" cy="620634"/>
           </a:xfrm>
           <a:prstGeom prst="rect">
@@ -3669,7 +3669,7 @@
         <p:spPr>
           <a:xfrm>
             <a:off x="1009071" y="446725"/>
-            <a:ext cx="27796642" cy="9565696"/>
+            <a:ext cx="25341523" cy="10452092"/>
           </a:xfrm>
           <a:prstGeom prst="rect">
             <a:avLst/>
@@ -3814,7 +3814,7 @@
                 <a:spcPct val="80000"/>
               </a:lnSpc>
             </a:pPr>
-            <a:endParaRPr lang="en-US" sz="3600" dirty="0">
+            <a:endParaRPr lang="en-US" sz="3600" dirty="0" smtClean="0">
               <a:latin typeface="Helvetica Light"/>
               <a:cs typeface="Helvetica Light"/>
             </a:endParaRPr>
@@ -3836,6 +3836,28 @@
                 <a:spcPct val="80000"/>
               </a:lnSpc>
             </a:pPr>
+            <a:endParaRPr lang="en-US" sz="3600" dirty="0">
+              <a:latin typeface="Helvetica Light"/>
+              <a:cs typeface="Helvetica Light"/>
+            </a:endParaRPr>
+          </a:p>
+          <a:p>
+            <a:pPr>
+              <a:lnSpc>
+                <a:spcPct val="80000"/>
+              </a:lnSpc>
+            </a:pPr>
+            <a:endParaRPr lang="en-US" sz="3600" dirty="0">
+              <a:latin typeface="Helvetica Light"/>
+              <a:cs typeface="Helvetica Light"/>
+            </a:endParaRPr>
+          </a:p>
+          <a:p>
+            <a:pPr>
+              <a:lnSpc>
+                <a:spcPct val="80000"/>
+              </a:lnSpc>
+            </a:pPr>
             <a:r>
               <a:rPr lang="en-US" sz="4400" b="1" dirty="0" smtClean="0">
                 <a:latin typeface="Helvetica Light"/>
@@ -4036,6 +4058,200 @@
               </a:lnSpc>
             </a:pPr>
             <a:endParaRPr lang="en-US" sz="3600" dirty="0">
+              <a:latin typeface="Helvetica Light"/>
+              <a:cs typeface="Helvetica Light"/>
+            </a:endParaRPr>
+          </a:p>
+        </p:txBody>
+      </p:sp>
+      <p:sp>
+        <p:nvSpPr>
+          <p:cNvPr id="2" name="Rectangle 1"/>
+          <p:cNvSpPr/>
+          <p:nvPr/>
+        </p:nvSpPr>
+        <p:spPr>
+          <a:xfrm>
+            <a:off x="1633461" y="15364820"/>
+            <a:ext cx="10846778" cy="2800767"/>
+          </a:xfrm>
+          <a:prstGeom prst="rect">
+            <a:avLst/>
+          </a:prstGeom>
+        </p:spPr>
+        <p:txBody>
+          <a:bodyPr wrap="none">
+            <a:spAutoFit/>
+          </a:bodyPr>
+          <a:lstStyle/>
+          <a:p>
+            <a:pPr algn="ctr"/>
+            <a:r>
+              <a:rPr lang="en-US" sz="8800" b="1" dirty="0" smtClean="0">
+                <a:latin typeface="Helvetica Light"/>
+                <a:cs typeface="Helvetica Light"/>
+              </a:rPr>
+              <a:t>17,020 rows</a:t>
+            </a:r>
+          </a:p>
+          <a:p>
+            <a:pPr algn="ctr"/>
+            <a:r>
+              <a:rPr lang="en-US" sz="8800" b="1" dirty="0" smtClean="0">
+                <a:latin typeface="Helvetica Light"/>
+                <a:cs typeface="Helvetica Light"/>
+              </a:rPr>
+              <a:t>with </a:t>
+            </a:r>
+            <a:r>
+              <a:rPr lang="en-US" sz="8800" b="1" dirty="0">
+                <a:latin typeface="Helvetica Light"/>
+                <a:cs typeface="Helvetica Light"/>
+              </a:rPr>
+              <a:t>100% NA values</a:t>
+            </a:r>
+          </a:p>
+        </p:txBody>
+      </p:sp>
+      <p:sp>
+        <p:nvSpPr>
+          <p:cNvPr id="17" name="Rectangle 16"/>
+          <p:cNvSpPr/>
+          <p:nvPr/>
+        </p:nvSpPr>
+        <p:spPr>
+          <a:xfrm>
+            <a:off x="17911884" y="16953868"/>
+            <a:ext cx="5704201" cy="1446550"/>
+          </a:xfrm>
+          <a:prstGeom prst="rect">
+            <a:avLst/>
+          </a:prstGeom>
+        </p:spPr>
+        <p:txBody>
+          <a:bodyPr wrap="none">
+            <a:spAutoFit/>
+          </a:bodyPr>
+          <a:lstStyle/>
+          <a:p>
+            <a:pPr algn="ctr"/>
+            <a:r>
+              <a:rPr lang="pl-PL" sz="8800" dirty="0" smtClean="0">
+                <a:latin typeface="Helvetica Light"/>
+                <a:cs typeface="Helvetica Light"/>
+              </a:rPr>
+              <a:t>2,394 </a:t>
+            </a:r>
+            <a:r>
+              <a:rPr lang="pl-PL" sz="8800" dirty="0" err="1" smtClean="0">
+                <a:latin typeface="Helvetica Light"/>
+                <a:cs typeface="Helvetica Light"/>
+              </a:rPr>
+              <a:t>rows</a:t>
+            </a:r>
+            <a:endParaRPr lang="en-US" sz="8800" dirty="0">
+              <a:latin typeface="Helvetica Light"/>
+              <a:cs typeface="Helvetica Light"/>
+            </a:endParaRPr>
+          </a:p>
+        </p:txBody>
+      </p:sp>
+      <p:cxnSp>
+        <p:nvCxnSpPr>
+          <p:cNvPr id="5" name="Straight Connector 4"/>
+          <p:cNvCxnSpPr/>
+          <p:nvPr/>
+        </p:nvCxnSpPr>
+        <p:spPr>
+          <a:xfrm flipH="1" flipV="1">
+            <a:off x="18532723" y="1553903"/>
+            <a:ext cx="39684" cy="7155647"/>
+          </a:xfrm>
+          <a:prstGeom prst="line">
+            <a:avLst/>
+          </a:prstGeom>
+          <a:ln w="76200" cmpd="sng">
+            <a:solidFill>
+              <a:schemeClr val="tx1"/>
+            </a:solidFill>
+            <a:prstDash val="solid"/>
+          </a:ln>
+          <a:effectLst/>
+        </p:spPr>
+        <p:style>
+          <a:lnRef idx="2">
+            <a:schemeClr val="accent1"/>
+          </a:lnRef>
+          <a:fillRef idx="0">
+            <a:schemeClr val="accent1"/>
+          </a:fillRef>
+          <a:effectRef idx="1">
+            <a:schemeClr val="accent1"/>
+          </a:effectRef>
+          <a:fontRef idx="minor">
+            <a:schemeClr val="tx1"/>
+          </a:fontRef>
+        </p:style>
+      </p:cxnSp>
+      <p:sp>
+        <p:nvSpPr>
+          <p:cNvPr id="18" name="Rectangle 17"/>
+          <p:cNvSpPr/>
+          <p:nvPr/>
+        </p:nvSpPr>
+        <p:spPr>
+          <a:xfrm>
+            <a:off x="7315200" y="4419600"/>
+            <a:ext cx="5701536" cy="1938992"/>
+          </a:xfrm>
+          <a:prstGeom prst="rect">
+            <a:avLst/>
+          </a:prstGeom>
+          <a:ln>
+            <a:solidFill>
+              <a:srgbClr val="000000"/>
+            </a:solidFill>
+          </a:ln>
+        </p:spPr>
+        <p:txBody>
+          <a:bodyPr wrap="none">
+            <a:spAutoFit/>
+          </a:bodyPr>
+          <a:lstStyle/>
+          <a:p>
+            <a:pPr algn="ctr"/>
+            <a:r>
+              <a:rPr lang="is-IS" sz="6000" b="1" dirty="0" smtClean="0">
+                <a:latin typeface="Helvetica Light"/>
+                <a:cs typeface="Helvetica Light"/>
+              </a:rPr>
+              <a:t>25,723 </a:t>
+            </a:r>
+            <a:r>
+              <a:rPr lang="en-US" sz="6000" b="1" dirty="0" smtClean="0">
+                <a:latin typeface="Helvetica Light"/>
+                <a:cs typeface="Helvetica Light"/>
+              </a:rPr>
+              <a:t>rows</a:t>
+            </a:r>
+          </a:p>
+          <a:p>
+            <a:pPr algn="ctr"/>
+            <a:r>
+              <a:rPr lang="en-US" sz="6000" b="1" dirty="0">
+                <a:latin typeface="Helvetica Light"/>
+                <a:cs typeface="Helvetica Light"/>
+              </a:rPr>
+              <a:t>a</a:t>
+            </a:r>
+            <a:r>
+              <a:rPr lang="en-US" sz="6000" b="1" dirty="0" smtClean="0">
+                <a:latin typeface="Helvetica Light"/>
+                <a:cs typeface="Helvetica Light"/>
+              </a:rPr>
+              <a:t>nd 24 columns</a:t>
+            </a:r>
+            <a:endParaRPr lang="en-US" sz="6000" b="1" dirty="0">
               <a:latin typeface="Helvetica Light"/>
               <a:cs typeface="Helvetica Light"/>
             </a:endParaRPr>
@@ -4079,6 +4295,408 @@
           <a:chExt cx="0" cy="0"/>
         </a:xfrm>
       </p:grpSpPr>
+      <p:sp>
+        <p:nvSpPr>
+          <p:cNvPr id="9" name="Rectangle 8"/>
+          <p:cNvSpPr/>
+          <p:nvPr/>
+        </p:nvSpPr>
+        <p:spPr>
+          <a:xfrm>
+            <a:off x="634291" y="3251519"/>
+            <a:ext cx="9620384" cy="16896935"/>
+          </a:xfrm>
+          <a:prstGeom prst="rect">
+            <a:avLst/>
+          </a:prstGeom>
+        </p:spPr>
+        <p:txBody>
+          <a:bodyPr wrap="square">
+            <a:spAutoFit/>
+          </a:bodyPr>
+          <a:lstStyle/>
+          <a:p>
+            <a:endParaRPr lang="en-US" sz="3600" dirty="0">
+              <a:latin typeface="Helvetica Light"/>
+              <a:cs typeface="Helvetica Light"/>
+            </a:endParaRPr>
+          </a:p>
+          <a:p>
+            <a:r>
+              <a:rPr lang="en-US" sz="4400" b="1" dirty="0">
+                <a:latin typeface="Helvetica Light"/>
+                <a:cs typeface="Helvetica Light"/>
+              </a:rPr>
+              <a:t>Top rows: </a:t>
+            </a:r>
+            <a:r>
+              <a:rPr lang="en-US" sz="4400" dirty="0">
+                <a:latin typeface="Helvetica Light"/>
+                <a:cs typeface="Helvetica Light"/>
+              </a:rPr>
+              <a:t>indicate there are MANY LEVELS with very LOW FREQ:</a:t>
+            </a:r>
+          </a:p>
+          <a:p>
+            <a:endParaRPr lang="en-US" sz="3200" dirty="0">
+              <a:latin typeface="Helvetica Light"/>
+              <a:cs typeface="Helvetica Light"/>
+            </a:endParaRPr>
+          </a:p>
+          <a:p>
+            <a:r>
+              <a:rPr lang="en-US" sz="3200" dirty="0">
+                <a:latin typeface="Helvetica Light"/>
+                <a:cs typeface="Helvetica Light"/>
+              </a:rPr>
+              <a:t>    '</a:t>
+            </a:r>
+            <a:r>
+              <a:rPr lang="en-US" sz="3200" dirty="0" err="1">
+                <a:latin typeface="Helvetica Light"/>
+                <a:cs typeface="Helvetica Light"/>
+              </a:rPr>
+              <a:t>case_number</a:t>
+            </a:r>
+            <a:r>
+              <a:rPr lang="en-US" sz="3200" dirty="0">
+                <a:latin typeface="Helvetica Light"/>
+                <a:cs typeface="Helvetica Light"/>
+              </a:rPr>
+              <a:t>' should be an identifier and not present duplicated values!!!</a:t>
+            </a:r>
+          </a:p>
+          <a:p>
+            <a:endParaRPr lang="en-US" sz="3200" dirty="0">
+              <a:latin typeface="Helvetica Light"/>
+              <a:cs typeface="Helvetica Light"/>
+            </a:endParaRPr>
+          </a:p>
+          <a:p>
+            <a:r>
+              <a:rPr lang="en-US" sz="3200" dirty="0">
+                <a:latin typeface="Helvetica Light"/>
+                <a:cs typeface="Helvetica Light"/>
+              </a:rPr>
+              <a:t>    That behavior is expected for '</a:t>
+            </a:r>
+            <a:r>
+              <a:rPr lang="en-US" sz="3200" dirty="0" err="1">
+                <a:latin typeface="Helvetica Light"/>
+                <a:cs typeface="Helvetica Light"/>
+              </a:rPr>
+              <a:t>case_number</a:t>
+            </a:r>
+            <a:r>
+              <a:rPr lang="en-US" sz="3200" dirty="0">
+                <a:latin typeface="Helvetica Light"/>
+                <a:cs typeface="Helvetica Light"/>
+              </a:rPr>
+              <a:t>' and 'date' data types</a:t>
+            </a:r>
+          </a:p>
+          <a:p>
+            <a:endParaRPr lang="en-US" sz="3200" dirty="0">
+              <a:latin typeface="Helvetica Light"/>
+              <a:cs typeface="Helvetica Light"/>
+            </a:endParaRPr>
+          </a:p>
+          <a:p>
+            <a:r>
+              <a:rPr lang="en-US" sz="3200" dirty="0">
+                <a:latin typeface="Helvetica Light"/>
+                <a:cs typeface="Helvetica Light"/>
+              </a:rPr>
+              <a:t>    According to </a:t>
+            </a:r>
+            <a:r>
+              <a:rPr lang="en-US" sz="3200" dirty="0" err="1">
+                <a:latin typeface="Helvetica Light"/>
+                <a:cs typeface="Helvetica Light"/>
+              </a:rPr>
+              <a:t>wikipedia</a:t>
+            </a:r>
+            <a:r>
+              <a:rPr lang="en-US" sz="3200" dirty="0">
+                <a:latin typeface="Helvetica Light"/>
+                <a:cs typeface="Helvetica Light"/>
+              </a:rPr>
+              <a:t>, there only exists 195 countries in the world but this column contains 212 unique values!!!! Check in the next cell bellow.</a:t>
+            </a:r>
+          </a:p>
+          <a:p>
+            <a:endParaRPr lang="en-US" sz="3200" dirty="0">
+              <a:latin typeface="Helvetica Light"/>
+              <a:cs typeface="Helvetica Light"/>
+            </a:endParaRPr>
+          </a:p>
+          <a:p>
+            <a:r>
+              <a:rPr lang="en-US" sz="3200" dirty="0">
+                <a:latin typeface="Helvetica Light"/>
+                <a:cs typeface="Helvetica Light"/>
+              </a:rPr>
+              <a:t>    Same suspicion </a:t>
+            </a:r>
+            <a:r>
+              <a:rPr lang="en-US" sz="3200" dirty="0" err="1">
+                <a:latin typeface="Helvetica Light"/>
+                <a:cs typeface="Helvetica Light"/>
+              </a:rPr>
+              <a:t>wiht</a:t>
+            </a:r>
+            <a:r>
+              <a:rPr lang="en-US" sz="3200" dirty="0">
+                <a:latin typeface="Helvetica Light"/>
+                <a:cs typeface="Helvetica Light"/>
+              </a:rPr>
+              <a:t> "species" or "activity</a:t>
+            </a:r>
+            <a:r>
+              <a:rPr lang="en-US" sz="3600" dirty="0">
+                <a:latin typeface="Helvetica Light"/>
+                <a:cs typeface="Helvetica Light"/>
+              </a:rPr>
+              <a:t>"</a:t>
+            </a:r>
+          </a:p>
+          <a:p>
+            <a:endParaRPr lang="en-US" sz="4400" dirty="0" smtClean="0">
+              <a:latin typeface="Helvetica Light"/>
+              <a:cs typeface="Helvetica Light"/>
+            </a:endParaRPr>
+          </a:p>
+          <a:p>
+            <a:endParaRPr lang="en-US" sz="4400" dirty="0">
+              <a:latin typeface="Helvetica Light"/>
+              <a:cs typeface="Helvetica Light"/>
+            </a:endParaRPr>
+          </a:p>
+          <a:p>
+            <a:endParaRPr lang="en-US" sz="4400" dirty="0">
+              <a:latin typeface="Helvetica Light"/>
+              <a:cs typeface="Helvetica Light"/>
+            </a:endParaRPr>
+          </a:p>
+          <a:p>
+            <a:r>
+              <a:rPr lang="en-US" sz="4400" b="1" dirty="0">
+                <a:solidFill>
+                  <a:srgbClr val="000000"/>
+                </a:solidFill>
+                <a:latin typeface="Helvetica Light"/>
+                <a:cs typeface="Helvetica Light"/>
+              </a:rPr>
+              <a:t>Bottom rows</a:t>
+            </a:r>
+            <a:r>
+              <a:rPr lang="en-US" sz="4400" dirty="0">
+                <a:solidFill>
+                  <a:srgbClr val="000000"/>
+                </a:solidFill>
+                <a:latin typeface="Helvetica Light"/>
+                <a:cs typeface="Helvetica Light"/>
+              </a:rPr>
+              <a:t>: </a:t>
+            </a:r>
+            <a:r>
+              <a:rPr lang="en-US" sz="4400" dirty="0">
+                <a:latin typeface="Helvetica Light"/>
+                <a:cs typeface="Helvetica Light"/>
+              </a:rPr>
+              <a:t>indicate there is ONE LEVEL with EXCESIVE FREQ:</a:t>
+            </a:r>
+          </a:p>
+          <a:p>
+            <a:endParaRPr lang="en-US" sz="3600" dirty="0">
+              <a:latin typeface="Helvetica Light"/>
+              <a:cs typeface="Helvetica Light"/>
+            </a:endParaRPr>
+          </a:p>
+          <a:p>
+            <a:r>
+              <a:rPr lang="en-US" sz="3200" dirty="0">
+                <a:latin typeface="Helvetica Light"/>
+                <a:cs typeface="Helvetica Light"/>
+              </a:rPr>
+              <a:t>    "unnamed_22" and "unnamed_23" should be deleted in a real job task</a:t>
+            </a:r>
+          </a:p>
+          <a:p>
+            <a:endParaRPr lang="en-US" sz="3200" dirty="0">
+              <a:latin typeface="Helvetica Light"/>
+              <a:cs typeface="Helvetica Light"/>
+            </a:endParaRPr>
+          </a:p>
+          <a:p>
+            <a:r>
+              <a:rPr lang="en-US" sz="3200" dirty="0">
+                <a:latin typeface="Helvetica Light"/>
+                <a:cs typeface="Helvetica Light"/>
+              </a:rPr>
+              <a:t>    "case_number_1" and "case_number_2" should also be deleted cause they seem copies of "</a:t>
+            </a:r>
+            <a:r>
+              <a:rPr lang="en-US" sz="3200" dirty="0" err="1">
+                <a:latin typeface="Helvetica Light"/>
+                <a:cs typeface="Helvetica Light"/>
+              </a:rPr>
+              <a:t>case_number</a:t>
+            </a:r>
+            <a:r>
+              <a:rPr lang="en-US" sz="3200" dirty="0">
+                <a:latin typeface="Helvetica Light"/>
+                <a:cs typeface="Helvetica Light"/>
+              </a:rPr>
+              <a:t>"</a:t>
+            </a:r>
+          </a:p>
+          <a:p>
+            <a:endParaRPr lang="en-US" sz="3200" dirty="0">
+              <a:latin typeface="Helvetica Light"/>
+              <a:cs typeface="Helvetica Light"/>
+            </a:endParaRPr>
+          </a:p>
+          <a:p>
+            <a:r>
+              <a:rPr lang="en-US" sz="3200" dirty="0">
+                <a:latin typeface="Helvetica Light"/>
+                <a:cs typeface="Helvetica Light"/>
+              </a:rPr>
+              <a:t>    For the moment, I will also ignore "</a:t>
+            </a:r>
+            <a:r>
+              <a:rPr lang="en-US" sz="3200" dirty="0" err="1">
+                <a:latin typeface="Helvetica Light"/>
+                <a:cs typeface="Helvetica Light"/>
+              </a:rPr>
+              <a:t>href</a:t>
+            </a:r>
+            <a:r>
+              <a:rPr lang="en-US" sz="3200" dirty="0">
+                <a:latin typeface="Helvetica Light"/>
+                <a:cs typeface="Helvetica Light"/>
+              </a:rPr>
+              <a:t>" and "</a:t>
+            </a:r>
+            <a:r>
+              <a:rPr lang="en-US" sz="3200" dirty="0" err="1">
+                <a:latin typeface="Helvetica Light"/>
+                <a:cs typeface="Helvetica Light"/>
+              </a:rPr>
+              <a:t>href_formula</a:t>
+            </a:r>
+            <a:r>
+              <a:rPr lang="en-US" sz="3200" dirty="0">
+                <a:latin typeface="Helvetica Light"/>
+                <a:cs typeface="Helvetica Light"/>
+              </a:rPr>
+              <a:t>" cause they seems uninformative links</a:t>
+            </a:r>
+          </a:p>
+          <a:p>
+            <a:endParaRPr lang="en-US" sz="3600" dirty="0">
+              <a:latin typeface="Helvetica Light"/>
+              <a:cs typeface="Helvetica Light"/>
+            </a:endParaRPr>
+          </a:p>
+        </p:txBody>
+      </p:sp>
+      <p:sp>
+        <p:nvSpPr>
+          <p:cNvPr id="10" name="Rectangle 9"/>
+          <p:cNvSpPr/>
+          <p:nvPr/>
+        </p:nvSpPr>
+        <p:spPr>
+          <a:xfrm>
+            <a:off x="566743" y="853803"/>
+            <a:ext cx="25545743" cy="1107996"/>
+          </a:xfrm>
+          <a:prstGeom prst="rect">
+            <a:avLst/>
+          </a:prstGeom>
+        </p:spPr>
+        <p:txBody>
+          <a:bodyPr wrap="square">
+            <a:spAutoFit/>
+          </a:bodyPr>
+          <a:lstStyle/>
+          <a:p>
+            <a:pPr lvl="0"/>
+            <a:r>
+              <a:rPr lang="en-US" sz="6600" b="1" dirty="0">
+                <a:solidFill>
+                  <a:prstClr val="black"/>
+                </a:solidFill>
+                <a:latin typeface="Helvetica Light"/>
+                <a:cs typeface="Helvetica Light"/>
+              </a:rPr>
+              <a:t>#</a:t>
+            </a:r>
+            <a:r>
+              <a:rPr lang="en-US" sz="6600" b="1" dirty="0" smtClean="0">
+                <a:solidFill>
+                  <a:prstClr val="black"/>
+                </a:solidFill>
+                <a:latin typeface="Helvetica Light"/>
+                <a:cs typeface="Helvetica Light"/>
+              </a:rPr>
+              <a:t># </a:t>
+            </a:r>
+            <a:r>
+              <a:rPr lang="en-US" sz="6600" b="1" dirty="0">
+                <a:solidFill>
+                  <a:prstClr val="black"/>
+                </a:solidFill>
+                <a:latin typeface="Helvetica Light"/>
+                <a:cs typeface="Helvetica Light"/>
+              </a:rPr>
+              <a:t>Investigate the columns by their </a:t>
+            </a:r>
+            <a:r>
+              <a:rPr lang="en-US" sz="6600" b="1" dirty="0" err="1">
+                <a:solidFill>
+                  <a:prstClr val="black"/>
+                </a:solidFill>
+                <a:latin typeface="Helvetica Light"/>
+                <a:cs typeface="Helvetica Light"/>
+              </a:rPr>
+              <a:t>unique_count</a:t>
+            </a:r>
+            <a:r>
+              <a:rPr lang="en-US" sz="6600" b="1" dirty="0">
+                <a:solidFill>
+                  <a:prstClr val="black"/>
+                </a:solidFill>
+                <a:latin typeface="Helvetica Light"/>
+                <a:cs typeface="Helvetica Light"/>
+              </a:rPr>
+              <a:t>/</a:t>
+            </a:r>
+            <a:r>
+              <a:rPr lang="en-US" sz="6600" b="1" dirty="0" err="1">
+                <a:solidFill>
+                  <a:prstClr val="black"/>
+                </a:solidFill>
+                <a:latin typeface="Helvetica Light"/>
+                <a:cs typeface="Helvetica Light"/>
+              </a:rPr>
+              <a:t>freq</a:t>
+            </a:r>
+            <a:r>
+              <a:rPr lang="en-US" sz="6600" b="1" dirty="0">
+                <a:solidFill>
+                  <a:prstClr val="black"/>
+                </a:solidFill>
+                <a:latin typeface="Helvetica Light"/>
+                <a:cs typeface="Helvetica Light"/>
+              </a:rPr>
+              <a:t> ratio</a:t>
+            </a:r>
+          </a:p>
+        </p:txBody>
+      </p:sp>
       <p:pic>
         <p:nvPicPr>
           <p:cNvPr id="4" name="Picture 3" descr="Screen Shot 2023-10-23 at 6.16.13 PM.png"/>
@@ -4101,7 +4719,7 @@
         </p:blipFill>
         <p:spPr>
           <a:xfrm>
-            <a:off x="10254675" y="4209175"/>
+            <a:off x="9818144" y="5920224"/>
             <a:ext cx="16887711" cy="14228230"/>
           </a:xfrm>
           <a:prstGeom prst="rect">
@@ -4111,18 +4729,111 @@
       </p:pic>
       <p:sp>
         <p:nvSpPr>
-          <p:cNvPr id="9" name="Rectangle 8"/>
+          <p:cNvPr id="11" name="Rectangle 10"/>
           <p:cNvSpPr/>
           <p:nvPr/>
         </p:nvSpPr>
         <p:spPr>
           <a:xfrm>
-            <a:off x="634291" y="3251519"/>
-            <a:ext cx="9620384" cy="16896935"/>
+            <a:off x="10714848" y="6626352"/>
+            <a:ext cx="15991007" cy="1990907"/>
           </a:xfrm>
           <a:prstGeom prst="rect">
             <a:avLst/>
           </a:prstGeom>
+          <a:solidFill>
+            <a:schemeClr val="accent3">
+              <a:lumMod val="75000"/>
+              <a:alpha val="16000"/>
+            </a:schemeClr>
+          </a:solidFill>
+          <a:ln>
+            <a:noFill/>
+          </a:ln>
+        </p:spPr>
+        <p:style>
+          <a:lnRef idx="1">
+            <a:schemeClr val="accent1"/>
+          </a:lnRef>
+          <a:fillRef idx="3">
+            <a:schemeClr val="accent1"/>
+          </a:fillRef>
+          <a:effectRef idx="2">
+            <a:schemeClr val="accent1"/>
+          </a:effectRef>
+          <a:fontRef idx="minor">
+            <a:schemeClr val="lt1"/>
+          </a:fontRef>
+        </p:style>
+        <p:txBody>
+          <a:bodyPr rtlCol="0" anchor="ctr"/>
+          <a:lstStyle/>
+          <a:p>
+            <a:pPr algn="ctr"/>
+            <a:endParaRPr lang="en-US"/>
+          </a:p>
+        </p:txBody>
+      </p:sp>
+      <p:sp>
+        <p:nvSpPr>
+          <p:cNvPr id="12" name="Rectangle 11"/>
+          <p:cNvSpPr/>
+          <p:nvPr/>
+        </p:nvSpPr>
+        <p:spPr>
+          <a:xfrm>
+            <a:off x="10714848" y="18157547"/>
+            <a:ext cx="15991007" cy="1990907"/>
+          </a:xfrm>
+          <a:prstGeom prst="rect">
+            <a:avLst/>
+          </a:prstGeom>
+          <a:solidFill>
+            <a:srgbClr val="81D31A">
+              <a:alpha val="16000"/>
+            </a:srgbClr>
+          </a:solidFill>
+          <a:ln>
+            <a:noFill/>
+          </a:ln>
+        </p:spPr>
+        <p:style>
+          <a:lnRef idx="1">
+            <a:schemeClr val="accent1"/>
+          </a:lnRef>
+          <a:fillRef idx="3">
+            <a:schemeClr val="accent1"/>
+          </a:fillRef>
+          <a:effectRef idx="2">
+            <a:schemeClr val="accent1"/>
+          </a:effectRef>
+          <a:fontRef idx="minor">
+            <a:schemeClr val="lt1"/>
+          </a:fontRef>
+        </p:style>
+        <p:txBody>
+          <a:bodyPr rtlCol="0" anchor="ctr"/>
+          <a:lstStyle/>
+          <a:p>
+            <a:pPr algn="ctr"/>
+            <a:endParaRPr lang="en-US"/>
+          </a:p>
+        </p:txBody>
+      </p:sp>
+      <p:sp>
+        <p:nvSpPr>
+          <p:cNvPr id="2" name="Rectangle 1"/>
+          <p:cNvSpPr/>
+          <p:nvPr/>
+        </p:nvSpPr>
+        <p:spPr>
+          <a:xfrm>
+            <a:off x="13887718" y="4011846"/>
+            <a:ext cx="12818137" cy="1446550"/>
+          </a:xfrm>
+          <a:prstGeom prst="rect">
+            <a:avLst/>
+          </a:prstGeom>
         </p:spPr>
         <p:txBody>
           <a:bodyPr wrap="square">
@@ -4130,404 +4841,149 @@
           </a:bodyPr>
           <a:lstStyle/>
           <a:p>
-            <a:endParaRPr lang="en-US" sz="3600" dirty="0">
-              <a:latin typeface="Helvetica Light"/>
-              <a:cs typeface="Helvetica Light"/>
-            </a:endParaRPr>
-          </a:p>
-          <a:p>
-            <a:r>
-              <a:rPr lang="en-US" sz="4400" b="1" dirty="0">
-                <a:latin typeface="Helvetica Light"/>
-                <a:cs typeface="Helvetica Light"/>
-              </a:rPr>
-              <a:t>Top rows: </a:t>
-            </a:r>
-            <a:r>
-              <a:rPr lang="en-US" sz="4400" dirty="0">
-                <a:latin typeface="Helvetica Light"/>
-                <a:cs typeface="Helvetica Light"/>
-              </a:rPr>
-              <a:t>indicate there are MANY LEVELS with very LOW FREQ:</a:t>
-            </a:r>
-          </a:p>
-          <a:p>
-            <a:endParaRPr lang="en-US" sz="3200" dirty="0">
-              <a:latin typeface="Helvetica Light"/>
-              <a:cs typeface="Helvetica Light"/>
-            </a:endParaRPr>
-          </a:p>
-          <a:p>
-            <a:r>
-              <a:rPr lang="en-US" sz="3200" dirty="0">
-                <a:latin typeface="Helvetica Light"/>
-                <a:cs typeface="Helvetica Light"/>
-              </a:rPr>
-              <a:t>    '</a:t>
-            </a:r>
-            <a:r>
-              <a:rPr lang="en-US" sz="3200" dirty="0" err="1">
-                <a:latin typeface="Helvetica Light"/>
-                <a:cs typeface="Helvetica Light"/>
-              </a:rPr>
-              <a:t>case_number</a:t>
-            </a:r>
-            <a:r>
-              <a:rPr lang="en-US" sz="3200" dirty="0">
-                <a:latin typeface="Helvetica Light"/>
-                <a:cs typeface="Helvetica Light"/>
-              </a:rPr>
-              <a:t>' should be an identifier and not present duplicated values!!!</a:t>
-            </a:r>
-          </a:p>
-          <a:p>
-            <a:endParaRPr lang="en-US" sz="3200" dirty="0">
-              <a:latin typeface="Helvetica Light"/>
-              <a:cs typeface="Helvetica Light"/>
-            </a:endParaRPr>
-          </a:p>
-          <a:p>
-            <a:r>
-              <a:rPr lang="en-US" sz="3200" dirty="0">
-                <a:latin typeface="Helvetica Light"/>
-                <a:cs typeface="Helvetica Light"/>
-              </a:rPr>
-              <a:t>    That behavior is expected for '</a:t>
-            </a:r>
-            <a:r>
-              <a:rPr lang="en-US" sz="3200" dirty="0" err="1">
-                <a:latin typeface="Helvetica Light"/>
-                <a:cs typeface="Helvetica Light"/>
-              </a:rPr>
-              <a:t>case_number</a:t>
-            </a:r>
-            <a:r>
-              <a:rPr lang="en-US" sz="3200" dirty="0">
-                <a:latin typeface="Helvetica Light"/>
-                <a:cs typeface="Helvetica Light"/>
-              </a:rPr>
-              <a:t>' and 'date' data types</a:t>
-            </a:r>
-          </a:p>
-          <a:p>
-            <a:endParaRPr lang="en-US" sz="3200" dirty="0">
-              <a:latin typeface="Helvetica Light"/>
-              <a:cs typeface="Helvetica Light"/>
-            </a:endParaRPr>
-          </a:p>
-          <a:p>
-            <a:r>
-              <a:rPr lang="en-US" sz="3200" dirty="0">
-                <a:latin typeface="Helvetica Light"/>
-                <a:cs typeface="Helvetica Light"/>
-              </a:rPr>
-              <a:t>    According to </a:t>
-            </a:r>
-            <a:r>
-              <a:rPr lang="en-US" sz="3200" dirty="0" err="1">
-                <a:latin typeface="Helvetica Light"/>
-                <a:cs typeface="Helvetica Light"/>
-              </a:rPr>
-              <a:t>wikipedia</a:t>
-            </a:r>
-            <a:r>
-              <a:rPr lang="en-US" sz="3200" dirty="0">
-                <a:latin typeface="Helvetica Light"/>
-                <a:cs typeface="Helvetica Light"/>
-              </a:rPr>
-              <a:t>, there only exists 195 countries in the world but this column contains 212 unique values!!!! Check in the next cell bellow.</a:t>
-            </a:r>
-          </a:p>
-          <a:p>
-            <a:endParaRPr lang="en-US" sz="3200" dirty="0">
-              <a:latin typeface="Helvetica Light"/>
-              <a:cs typeface="Helvetica Light"/>
-            </a:endParaRPr>
-          </a:p>
-          <a:p>
-            <a:r>
-              <a:rPr lang="en-US" sz="3200" dirty="0">
-                <a:latin typeface="Helvetica Light"/>
-                <a:cs typeface="Helvetica Light"/>
-              </a:rPr>
-              <a:t>    Same suspicion </a:t>
-            </a:r>
-            <a:r>
-              <a:rPr lang="en-US" sz="3200" dirty="0" err="1">
-                <a:latin typeface="Helvetica Light"/>
-                <a:cs typeface="Helvetica Light"/>
-              </a:rPr>
-              <a:t>wiht</a:t>
-            </a:r>
-            <a:r>
-              <a:rPr lang="en-US" sz="3200" dirty="0">
-                <a:latin typeface="Helvetica Light"/>
-                <a:cs typeface="Helvetica Light"/>
-              </a:rPr>
-              <a:t> "species" or "activity</a:t>
-            </a:r>
-            <a:r>
-              <a:rPr lang="en-US" sz="3600" dirty="0">
-                <a:latin typeface="Helvetica Light"/>
-                <a:cs typeface="Helvetica Light"/>
-              </a:rPr>
+            <a:r>
+              <a:rPr lang="en-US" sz="4400" dirty="0"/>
+              <a:t> </a:t>
+            </a:r>
+            <a:r>
+              <a:rPr lang="en-US" sz="4400" dirty="0" err="1" smtClean="0"/>
+              <a:t>df</a:t>
+            </a:r>
+            <a:r>
+              <a:rPr lang="en-US" sz="4400" dirty="0" smtClean="0"/>
+              <a:t>[</a:t>
+            </a:r>
+            <a:r>
+              <a:rPr lang="en-US" sz="4400" dirty="0"/>
               <a:t>"</a:t>
             </a:r>
-          </a:p>
-          <a:p>
-            <a:endParaRPr lang="en-US" sz="4400" dirty="0" smtClean="0">
-              <a:latin typeface="Helvetica Light"/>
-              <a:cs typeface="Helvetica Light"/>
-            </a:endParaRPr>
-          </a:p>
-          <a:p>
-            <a:endParaRPr lang="en-US" sz="4400" dirty="0">
-              <a:latin typeface="Helvetica Light"/>
-              <a:cs typeface="Helvetica Light"/>
-            </a:endParaRPr>
-          </a:p>
-          <a:p>
-            <a:endParaRPr lang="en-US" sz="4400" dirty="0">
-              <a:latin typeface="Helvetica Light"/>
-              <a:cs typeface="Helvetica Light"/>
-            </a:endParaRPr>
-          </a:p>
-          <a:p>
-            <a:r>
-              <a:rPr lang="en-US" sz="4400" b="1" dirty="0">
-                <a:solidFill>
-                  <a:srgbClr val="000000"/>
-                </a:solidFill>
-                <a:latin typeface="Helvetica Light"/>
-                <a:cs typeface="Helvetica Light"/>
-              </a:rPr>
-              <a:t>Bottom rows</a:t>
-            </a:r>
-            <a:r>
-              <a:rPr lang="en-US" sz="4400" dirty="0">
-                <a:solidFill>
-                  <a:srgbClr val="000000"/>
-                </a:solidFill>
-                <a:latin typeface="Helvetica Light"/>
-                <a:cs typeface="Helvetica Light"/>
-              </a:rPr>
-              <a:t>: </a:t>
-            </a:r>
-            <a:r>
-              <a:rPr lang="en-US" sz="4400" dirty="0">
-                <a:latin typeface="Helvetica Light"/>
-                <a:cs typeface="Helvetica Light"/>
-              </a:rPr>
-              <a:t>indicate there is ONE LEVEL with EXCESIVE FREQ:</a:t>
-            </a:r>
-          </a:p>
-          <a:p>
-            <a:endParaRPr lang="en-US" sz="3600" dirty="0">
-              <a:latin typeface="Helvetica Light"/>
-              <a:cs typeface="Helvetica Light"/>
-            </a:endParaRPr>
-          </a:p>
-          <a:p>
-            <a:r>
-              <a:rPr lang="en-US" sz="3200" dirty="0">
-                <a:latin typeface="Helvetica Light"/>
-                <a:cs typeface="Helvetica Light"/>
-              </a:rPr>
-              <a:t>    "unnamed_22" and "unnamed_23" should be deleted in a real job task</a:t>
-            </a:r>
-          </a:p>
-          <a:p>
-            <a:endParaRPr lang="en-US" sz="3200" dirty="0">
-              <a:latin typeface="Helvetica Light"/>
-              <a:cs typeface="Helvetica Light"/>
-            </a:endParaRPr>
-          </a:p>
-          <a:p>
-            <a:r>
-              <a:rPr lang="en-US" sz="3200" dirty="0">
-                <a:latin typeface="Helvetica Light"/>
-                <a:cs typeface="Helvetica Light"/>
-              </a:rPr>
-              <a:t>    "case_number_1" and "case_number_2" should also be deleted cause they seem copies of "</a:t>
-            </a:r>
-            <a:r>
-              <a:rPr lang="en-US" sz="3200" dirty="0" err="1">
-                <a:latin typeface="Helvetica Light"/>
-                <a:cs typeface="Helvetica Light"/>
-              </a:rPr>
-              <a:t>case_number</a:t>
-            </a:r>
-            <a:r>
-              <a:rPr lang="en-US" sz="3200" dirty="0">
-                <a:latin typeface="Helvetica Light"/>
-                <a:cs typeface="Helvetica Light"/>
-              </a:rPr>
+            <a:r>
+              <a:rPr lang="en-US" sz="4400" dirty="0" err="1"/>
+              <a:t>resto_abs</a:t>
+            </a:r>
+            <a:r>
+              <a:rPr lang="en-US" sz="4400" dirty="0"/>
               <a:t>"</a:t>
             </a:r>
-          </a:p>
-          <a:p>
-            <a:endParaRPr lang="en-US" sz="3200" dirty="0">
-              <a:latin typeface="Helvetica Light"/>
-              <a:cs typeface="Helvetica Light"/>
-            </a:endParaRPr>
-          </a:p>
-          <a:p>
-            <a:r>
-              <a:rPr lang="en-US" sz="3200" dirty="0">
-                <a:latin typeface="Helvetica Light"/>
-                <a:cs typeface="Helvetica Light"/>
-              </a:rPr>
-              <a:t>    For the moment, I will also ignore "</a:t>
-            </a:r>
-            <a:r>
-              <a:rPr lang="en-US" sz="3200" dirty="0" err="1">
-                <a:latin typeface="Helvetica Light"/>
-                <a:cs typeface="Helvetica Light"/>
-              </a:rPr>
-              <a:t>href</a:t>
-            </a:r>
-            <a:r>
-              <a:rPr lang="en-US" sz="3200" dirty="0">
-                <a:latin typeface="Helvetica Light"/>
-                <a:cs typeface="Helvetica Light"/>
-              </a:rPr>
-              <a:t>" and "</a:t>
-            </a:r>
-            <a:r>
-              <a:rPr lang="en-US" sz="3200" dirty="0" err="1">
-                <a:latin typeface="Helvetica Light"/>
-                <a:cs typeface="Helvetica Light"/>
-              </a:rPr>
-              <a:t>href_formula</a:t>
-            </a:r>
-            <a:r>
-              <a:rPr lang="en-US" sz="3200" dirty="0">
-                <a:latin typeface="Helvetica Light"/>
-                <a:cs typeface="Helvetica Light"/>
-              </a:rPr>
-              <a:t>" cause they seems uninformative links</a:t>
-            </a:r>
-          </a:p>
-          <a:p>
-            <a:endParaRPr lang="en-US" sz="3600" dirty="0">
-              <a:latin typeface="Helvetica Light"/>
-              <a:cs typeface="Helvetica Light"/>
-            </a:endParaRPr>
-          </a:p>
-        </p:txBody>
-      </p:sp>
-      <p:sp>
-        <p:nvSpPr>
-          <p:cNvPr id="10" name="Rectangle 9"/>
+            <a:r>
+              <a:rPr lang="en-US" sz="4400" dirty="0" smtClean="0"/>
+              <a:t>] = (</a:t>
+            </a:r>
+            <a:r>
+              <a:rPr lang="en-US" sz="4400" dirty="0" err="1" smtClean="0"/>
+              <a:t>df</a:t>
+            </a:r>
+            <a:r>
+              <a:rPr lang="en-US" sz="4400" dirty="0" smtClean="0"/>
+              <a:t>[</a:t>
+            </a:r>
+            <a:r>
+              <a:rPr lang="en-US" sz="4400" dirty="0"/>
+              <a:t>"</a:t>
+            </a:r>
+            <a:r>
+              <a:rPr lang="en-US" sz="4400" dirty="0" smtClean="0"/>
+              <a:t>count”] - </a:t>
+            </a:r>
+            <a:r>
+              <a:rPr lang="en-US" sz="4400" dirty="0" err="1" smtClean="0"/>
+              <a:t>df</a:t>
+            </a:r>
+            <a:r>
+              <a:rPr lang="en-US" sz="4400" dirty="0" smtClean="0"/>
+              <a:t>[</a:t>
+            </a:r>
+            <a:r>
+              <a:rPr lang="en-US" sz="4400" dirty="0"/>
+              <a:t>"</a:t>
+            </a:r>
+            <a:r>
+              <a:rPr lang="en-US" sz="4400" dirty="0" err="1"/>
+              <a:t>freq</a:t>
+            </a:r>
+            <a:r>
+              <a:rPr lang="en-US" sz="4400" dirty="0"/>
+              <a:t>"])</a:t>
+            </a:r>
+          </a:p>
+          <a:p>
+            <a:r>
+              <a:rPr lang="en-US" sz="4400" dirty="0"/>
+              <a:t> </a:t>
+            </a:r>
+            <a:r>
+              <a:rPr lang="en-US" sz="4400" dirty="0" err="1" smtClean="0"/>
+              <a:t>df</a:t>
+            </a:r>
+            <a:r>
+              <a:rPr lang="en-US" sz="4400" dirty="0" smtClean="0"/>
+              <a:t>[</a:t>
+            </a:r>
+            <a:r>
+              <a:rPr lang="en-US" sz="4400" dirty="0"/>
+              <a:t>"</a:t>
+            </a:r>
+            <a:r>
+              <a:rPr lang="en-US" sz="4400" dirty="0" err="1"/>
+              <a:t>resto_per</a:t>
+            </a:r>
+            <a:r>
+              <a:rPr lang="en-US" sz="4400" dirty="0"/>
+              <a:t>"</a:t>
+            </a:r>
+            <a:r>
+              <a:rPr lang="en-US" sz="4400" dirty="0" smtClean="0"/>
+              <a:t>] = (</a:t>
+            </a:r>
+            <a:r>
+              <a:rPr lang="en-US" sz="4400" dirty="0" err="1" smtClean="0"/>
+              <a:t>df</a:t>
+            </a:r>
+            <a:r>
+              <a:rPr lang="en-US" sz="4400" dirty="0" smtClean="0"/>
+              <a:t>[</a:t>
+            </a:r>
+            <a:r>
+              <a:rPr lang="en-US" sz="4400" dirty="0"/>
+              <a:t>"</a:t>
+            </a:r>
+            <a:r>
+              <a:rPr lang="en-US" sz="4400" dirty="0" err="1"/>
+              <a:t>resto_abs</a:t>
+            </a:r>
+            <a:r>
+              <a:rPr lang="en-US" sz="4400" dirty="0"/>
+              <a:t>"]*100</a:t>
+            </a:r>
+            <a:r>
+              <a:rPr lang="en-US" sz="4400" dirty="0" smtClean="0"/>
+              <a:t>) / </a:t>
+            </a:r>
+            <a:r>
+              <a:rPr lang="en-US" sz="4400" dirty="0" err="1" smtClean="0"/>
+              <a:t>df</a:t>
+            </a:r>
+            <a:r>
+              <a:rPr lang="en-US" sz="4400" dirty="0" smtClean="0"/>
+              <a:t>[</a:t>
+            </a:r>
+            <a:r>
+              <a:rPr lang="en-US" sz="4400" dirty="0"/>
+              <a:t>"count"]</a:t>
+            </a:r>
+          </a:p>
+        </p:txBody>
+      </p:sp>
+      <p:sp>
+        <p:nvSpPr>
+          <p:cNvPr id="13" name="Rectangle 12"/>
           <p:cNvSpPr/>
           <p:nvPr/>
         </p:nvSpPr>
         <p:spPr>
           <a:xfrm>
-            <a:off x="566743" y="853803"/>
-            <a:ext cx="25545743" cy="1107996"/>
-          </a:xfrm>
-          <a:prstGeom prst="rect">
-            <a:avLst/>
-          </a:prstGeom>
-        </p:spPr>
-        <p:txBody>
-          <a:bodyPr wrap="square">
-            <a:spAutoFit/>
-          </a:bodyPr>
-          <a:lstStyle/>
-          <a:p>
-            <a:pPr lvl="0"/>
-            <a:r>
-              <a:rPr lang="en-US" sz="6600" b="1" dirty="0">
-                <a:solidFill>
-                  <a:prstClr val="black"/>
-                </a:solidFill>
-                <a:latin typeface="Helvetica Light"/>
-                <a:cs typeface="Helvetica Light"/>
-              </a:rPr>
-              <a:t>#</a:t>
-            </a:r>
-            <a:r>
-              <a:rPr lang="en-US" sz="6600" b="1" dirty="0" smtClean="0">
-                <a:solidFill>
-                  <a:prstClr val="black"/>
-                </a:solidFill>
-                <a:latin typeface="Helvetica Light"/>
-                <a:cs typeface="Helvetica Light"/>
-              </a:rPr>
-              <a:t># </a:t>
-            </a:r>
-            <a:r>
-              <a:rPr lang="en-US" sz="6600" b="1" dirty="0">
-                <a:solidFill>
-                  <a:prstClr val="black"/>
-                </a:solidFill>
-                <a:latin typeface="Helvetica Light"/>
-                <a:cs typeface="Helvetica Light"/>
-              </a:rPr>
-              <a:t>Investigate the columns by their </a:t>
-            </a:r>
-            <a:r>
-              <a:rPr lang="en-US" sz="6600" b="1" dirty="0" err="1">
-                <a:solidFill>
-                  <a:prstClr val="black"/>
-                </a:solidFill>
-                <a:latin typeface="Helvetica Light"/>
-                <a:cs typeface="Helvetica Light"/>
-              </a:rPr>
-              <a:t>unique_count</a:t>
-            </a:r>
-            <a:r>
-              <a:rPr lang="en-US" sz="6600" b="1" dirty="0">
-                <a:solidFill>
-                  <a:prstClr val="black"/>
-                </a:solidFill>
-                <a:latin typeface="Helvetica Light"/>
-                <a:cs typeface="Helvetica Light"/>
-              </a:rPr>
-              <a:t>/</a:t>
-            </a:r>
-            <a:r>
-              <a:rPr lang="en-US" sz="6600" b="1" dirty="0" err="1">
-                <a:solidFill>
-                  <a:prstClr val="black"/>
-                </a:solidFill>
-                <a:latin typeface="Helvetica Light"/>
-                <a:cs typeface="Helvetica Light"/>
-              </a:rPr>
-              <a:t>freq</a:t>
-            </a:r>
-            <a:r>
-              <a:rPr lang="en-US" sz="6600" b="1" dirty="0">
-                <a:solidFill>
-                  <a:prstClr val="black"/>
-                </a:solidFill>
-                <a:latin typeface="Helvetica Light"/>
-                <a:cs typeface="Helvetica Light"/>
-              </a:rPr>
-              <a:t> ratio</a:t>
-            </a:r>
-            <a:endParaRPr lang="en-US" sz="6600" b="1" dirty="0">
-              <a:solidFill>
-                <a:prstClr val="black"/>
-              </a:solidFill>
-              <a:latin typeface="Helvetica Light"/>
-              <a:cs typeface="Helvetica Light"/>
-            </a:endParaRPr>
-          </a:p>
-        </p:txBody>
-      </p:sp>
-      <p:sp>
-        <p:nvSpPr>
-          <p:cNvPr id="11" name="Rectangle 10"/>
-          <p:cNvSpPr/>
-          <p:nvPr/>
-        </p:nvSpPr>
-        <p:spPr>
-          <a:xfrm>
-            <a:off x="11151379" y="4915303"/>
-            <a:ext cx="15991007" cy="1990907"/>
+            <a:off x="12377484" y="5943600"/>
+            <a:ext cx="1643316" cy="703499"/>
           </a:xfrm>
           <a:prstGeom prst="rect">
             <a:avLst/>
@@ -4566,14 +5022,14 @@
       </p:sp>
       <p:sp>
         <p:nvSpPr>
-          <p:cNvPr id="12" name="Rectangle 11"/>
+          <p:cNvPr id="14" name="Rectangle 13"/>
           <p:cNvSpPr/>
           <p:nvPr/>
         </p:nvSpPr>
         <p:spPr>
           <a:xfrm>
-            <a:off x="11151379" y="16446498"/>
-            <a:ext cx="15991007" cy="1990907"/>
+            <a:off x="20802600" y="5867400"/>
+            <a:ext cx="685800" cy="1036303"/>
           </a:xfrm>
           <a:prstGeom prst="rect">
             <a:avLst/>
@@ -4647,6 +5103,98 @@
           <a:chExt cx="0" cy="0"/>
         </a:xfrm>
       </p:grpSpPr>
+      <p:sp>
+        <p:nvSpPr>
+          <p:cNvPr id="9" name="Rectangle 8"/>
+          <p:cNvSpPr/>
+          <p:nvPr/>
+        </p:nvSpPr>
+        <p:spPr>
+          <a:xfrm>
+            <a:off x="1905000" y="14020800"/>
+            <a:ext cx="7992533" cy="773034"/>
+          </a:xfrm>
+          <a:prstGeom prst="rect">
+            <a:avLst/>
+          </a:prstGeom>
+          <a:solidFill>
+            <a:srgbClr val="FFFF00">
+              <a:alpha val="42000"/>
+            </a:srgbClr>
+          </a:solidFill>
+          <a:ln>
+            <a:noFill/>
+          </a:ln>
+        </p:spPr>
+        <p:style>
+          <a:lnRef idx="1">
+            <a:schemeClr val="accent1"/>
+          </a:lnRef>
+          <a:fillRef idx="3">
+            <a:schemeClr val="accent1"/>
+          </a:fillRef>
+          <a:effectRef idx="2">
+            <a:schemeClr val="accent1"/>
+          </a:effectRef>
+          <a:fontRef idx="minor">
+            <a:schemeClr val="lt1"/>
+          </a:fontRef>
+        </p:style>
+        <p:txBody>
+          <a:bodyPr rtlCol="0" anchor="ctr"/>
+          <a:lstStyle/>
+          <a:p>
+            <a:pPr algn="ctr"/>
+            <a:endParaRPr lang="en-US"/>
+          </a:p>
+        </p:txBody>
+      </p:sp>
+      <p:sp>
+        <p:nvSpPr>
+          <p:cNvPr id="8" name="Rectangle 7"/>
+          <p:cNvSpPr/>
+          <p:nvPr/>
+        </p:nvSpPr>
+        <p:spPr>
+          <a:xfrm>
+            <a:off x="2866574" y="6985593"/>
+            <a:ext cx="7491114" cy="927013"/>
+          </a:xfrm>
+          <a:prstGeom prst="rect">
+            <a:avLst/>
+          </a:prstGeom>
+          <a:solidFill>
+            <a:srgbClr val="FFFF00">
+              <a:alpha val="42000"/>
+            </a:srgbClr>
+          </a:solidFill>
+          <a:ln>
+            <a:noFill/>
+          </a:ln>
+        </p:spPr>
+        <p:style>
+          <a:lnRef idx="1">
+            <a:schemeClr val="accent1"/>
+          </a:lnRef>
+          <a:fillRef idx="3">
+            <a:schemeClr val="accent1"/>
+          </a:fillRef>
+          <a:effectRef idx="2">
+            <a:schemeClr val="accent1"/>
+          </a:effectRef>
+          <a:fontRef idx="minor">
+            <a:schemeClr val="lt1"/>
+          </a:fontRef>
+        </p:style>
+        <p:txBody>
+          <a:bodyPr rtlCol="0" anchor="ctr"/>
+          <a:lstStyle/>
+          <a:p>
+            <a:pPr algn="ctr"/>
+            <a:endParaRPr lang="en-US"/>
+          </a:p>
+        </p:txBody>
+      </p:sp>
       <p:sp>
         <p:nvSpPr>
           <p:cNvPr id="13" name="Rectangle 12"/>
